--- a/IHP_2024/20240705/プレゼンテーション1.pptx
+++ b/IHP_2024/20240705/プレゼンテーション1.pptx
@@ -5156,8 +5156,8 @@
           </a:prstGeom>
         </p:spPr>
       </p:pic>
-      <mc:AlternateContent xmlns:mc="http://schemas.openxmlformats.org/markup-compatibility/2006">
-        <mc:Choice xmlns:a14="http://schemas.microsoft.com/office/drawing/2010/main" Requires="a14">
+      <mc:AlternateContent xmlns:mc="http://schemas.openxmlformats.org/markup-compatibility/2006" xmlns:a14="http://schemas.microsoft.com/office/drawing/2010/main">
+        <mc:Choice Requires="a14">
           <p:sp>
             <p:nvSpPr>
               <p:cNvPr id="13" name="テキスト ボックス 12">
@@ -5765,7 +5765,6 @@
                 </a:endParaRPr>
               </a:p>
               <a:p>
-                <a:pPr/>
                 <a:r>
                   <a:rPr lang="ja-JP" altLang="en-US" sz="2400" dirty="0">
                     <a:latin typeface="Times New Roman" panose="02020603050405020304" pitchFamily="18" charset="0"/>
@@ -5781,7 +5780,7 @@
             </p:txBody>
           </p:sp>
         </mc:Choice>
-        <mc:Fallback>
+        <mc:Fallback xmlns="">
           <p:sp>
             <p:nvSpPr>
               <p:cNvPr id="13" name="テキスト ボックス 12">
@@ -6043,8 +6042,8 @@
           </a:prstGeom>
         </p:spPr>
       </p:pic>
-      <mc:AlternateContent xmlns:mc="http://schemas.openxmlformats.org/markup-compatibility/2006">
-        <mc:Choice xmlns:a14="http://schemas.microsoft.com/office/drawing/2010/main" Requires="a14">
+      <mc:AlternateContent xmlns:mc="http://schemas.openxmlformats.org/markup-compatibility/2006" xmlns:a14="http://schemas.microsoft.com/office/drawing/2010/main">
+        <mc:Choice Requires="a14">
           <p:sp>
             <p:nvSpPr>
               <p:cNvPr id="10" name="テキスト ボックス 9">
@@ -6887,6 +6886,7 @@
                 </a:endParaRPr>
               </a:p>
               <a:p>
+                <a:pPr/>
                 <a14:m>
                   <m:oMathPara xmlns:m="http://schemas.openxmlformats.org/officeDocument/2006/math">
                     <m:oMathParaPr>
@@ -7049,7 +7049,7 @@
             </p:txBody>
           </p:sp>
         </mc:Choice>
-        <mc:Fallback>
+        <mc:Fallback xmlns="">
           <p:sp>
             <p:nvSpPr>
               <p:cNvPr id="10" name="テキスト ボックス 9">
@@ -7275,8 +7275,8 @@
           </a:prstGeom>
         </p:spPr>
       </p:pic>
-      <mc:AlternateContent xmlns:mc="http://schemas.openxmlformats.org/markup-compatibility/2006">
-        <mc:Choice xmlns:a14="http://schemas.microsoft.com/office/drawing/2010/main" Requires="a14">
+      <mc:AlternateContent xmlns:mc="http://schemas.openxmlformats.org/markup-compatibility/2006" xmlns:a14="http://schemas.microsoft.com/office/drawing/2010/main">
+        <mc:Choice Requires="a14">
           <p:sp>
             <p:nvSpPr>
               <p:cNvPr id="8" name="テキスト ボックス 7">
@@ -7777,7 +7777,7 @@
             </p:txBody>
           </p:sp>
         </mc:Choice>
-        <mc:Fallback>
+        <mc:Fallback xmlns="">
           <p:sp>
             <p:nvSpPr>
               <p:cNvPr id="8" name="テキスト ボックス 7">
@@ -8042,8 +8042,8 @@
           </a:prstGeom>
         </p:spPr>
       </p:pic>
-      <mc:AlternateContent xmlns:mc="http://schemas.openxmlformats.org/markup-compatibility/2006">
-        <mc:Choice xmlns:a14="http://schemas.microsoft.com/office/drawing/2010/main" Requires="a14">
+      <mc:AlternateContent xmlns:mc="http://schemas.openxmlformats.org/markup-compatibility/2006" xmlns:a14="http://schemas.microsoft.com/office/drawing/2010/main">
+        <mc:Choice Requires="a14">
           <p:sp>
             <p:nvSpPr>
               <p:cNvPr id="10" name="テキスト ボックス 9">
@@ -8405,7 +8405,7 @@
             </p:txBody>
           </p:sp>
         </mc:Choice>
-        <mc:Fallback>
+        <mc:Fallback xmlns="">
           <p:sp>
             <p:nvSpPr>
               <p:cNvPr id="10" name="テキスト ボックス 9">
